--- a/Ashraf_Chaudhry_Crypto_Course/2_PART.pptx
+++ b/Ashraf_Chaudhry_Crypto_Course/2_PART.pptx
@@ -10,6 +10,16 @@
     <p:sldId id="258" r:id="rId4"/>
     <p:sldId id="259" r:id="rId5"/>
     <p:sldId id="260" r:id="rId6"/>
+    <p:sldId id="261" r:id="rId7"/>
+    <p:sldId id="262" r:id="rId8"/>
+    <p:sldId id="263" r:id="rId9"/>
+    <p:sldId id="264" r:id="rId10"/>
+    <p:sldId id="265" r:id="rId11"/>
+    <p:sldId id="266" r:id="rId12"/>
+    <p:sldId id="267" r:id="rId13"/>
+    <p:sldId id="268" r:id="rId14"/>
+    <p:sldId id="269" r:id="rId15"/>
+    <p:sldId id="270" r:id="rId16"/>
   </p:sldIdLst>
   <p:sldSz cx="12192000" cy="6858000"/>
   <p:notesSz cx="6858000" cy="9144000"/>
@@ -108,6 +118,11 @@
       </a:defRPr>
     </a:lvl9pPr>
   </p:defaultTextStyle>
+  <p:extLst>
+    <p:ext uri="{EFAFB233-063F-42B5-8137-9DF3F51BA10A}">
+      <p15:sldGuideLst xmlns:p15="http://schemas.microsoft.com/office/powerpoint/2012/main"/>
+    </p:ext>
+  </p:extLst>
 </p:presentation>
 </file>
 
@@ -242,7 +257,7 @@
           <a:p>
             <a:fld id="{83FA6FDD-57DB-4FD0-A73F-BBC3B00B2FE6}" type="datetimeFigureOut">
               <a:rPr lang="en-US" smtClean="0"/>
-              <a:t>9/29/2022</a:t>
+              <a:t>9/30/2022</a:t>
             </a:fld>
             <a:endParaRPr lang="en-US"/>
           </a:p>
@@ -412,7 +427,7 @@
           <a:p>
             <a:fld id="{83FA6FDD-57DB-4FD0-A73F-BBC3B00B2FE6}" type="datetimeFigureOut">
               <a:rPr lang="en-US" smtClean="0"/>
-              <a:t>9/29/2022</a:t>
+              <a:t>9/30/2022</a:t>
             </a:fld>
             <a:endParaRPr lang="en-US"/>
           </a:p>
@@ -592,7 +607,7 @@
           <a:p>
             <a:fld id="{83FA6FDD-57DB-4FD0-A73F-BBC3B00B2FE6}" type="datetimeFigureOut">
               <a:rPr lang="en-US" smtClean="0"/>
-              <a:t>9/29/2022</a:t>
+              <a:t>9/30/2022</a:t>
             </a:fld>
             <a:endParaRPr lang="en-US"/>
           </a:p>
@@ -762,7 +777,7 @@
           <a:p>
             <a:fld id="{83FA6FDD-57DB-4FD0-A73F-BBC3B00B2FE6}" type="datetimeFigureOut">
               <a:rPr lang="en-US" smtClean="0"/>
-              <a:t>9/29/2022</a:t>
+              <a:t>9/30/2022</a:t>
             </a:fld>
             <a:endParaRPr lang="en-US"/>
           </a:p>
@@ -1008,7 +1023,7 @@
           <a:p>
             <a:fld id="{83FA6FDD-57DB-4FD0-A73F-BBC3B00B2FE6}" type="datetimeFigureOut">
               <a:rPr lang="en-US" smtClean="0"/>
-              <a:t>9/29/2022</a:t>
+              <a:t>9/30/2022</a:t>
             </a:fld>
             <a:endParaRPr lang="en-US"/>
           </a:p>
@@ -1240,7 +1255,7 @@
           <a:p>
             <a:fld id="{83FA6FDD-57DB-4FD0-A73F-BBC3B00B2FE6}" type="datetimeFigureOut">
               <a:rPr lang="en-US" smtClean="0"/>
-              <a:t>9/29/2022</a:t>
+              <a:t>9/30/2022</a:t>
             </a:fld>
             <a:endParaRPr lang="en-US"/>
           </a:p>
@@ -1607,7 +1622,7 @@
           <a:p>
             <a:fld id="{83FA6FDD-57DB-4FD0-A73F-BBC3B00B2FE6}" type="datetimeFigureOut">
               <a:rPr lang="en-US" smtClean="0"/>
-              <a:t>9/29/2022</a:t>
+              <a:t>9/30/2022</a:t>
             </a:fld>
             <a:endParaRPr lang="en-US"/>
           </a:p>
@@ -1725,7 +1740,7 @@
           <a:p>
             <a:fld id="{83FA6FDD-57DB-4FD0-A73F-BBC3B00B2FE6}" type="datetimeFigureOut">
               <a:rPr lang="en-US" smtClean="0"/>
-              <a:t>9/29/2022</a:t>
+              <a:t>9/30/2022</a:t>
             </a:fld>
             <a:endParaRPr lang="en-US"/>
           </a:p>
@@ -1820,7 +1835,7 @@
           <a:p>
             <a:fld id="{83FA6FDD-57DB-4FD0-A73F-BBC3B00B2FE6}" type="datetimeFigureOut">
               <a:rPr lang="en-US" smtClean="0"/>
-              <a:t>9/29/2022</a:t>
+              <a:t>9/30/2022</a:t>
             </a:fld>
             <a:endParaRPr lang="en-US"/>
           </a:p>
@@ -2097,7 +2112,7 @@
           <a:p>
             <a:fld id="{83FA6FDD-57DB-4FD0-A73F-BBC3B00B2FE6}" type="datetimeFigureOut">
               <a:rPr lang="en-US" smtClean="0"/>
-              <a:t>9/29/2022</a:t>
+              <a:t>9/30/2022</a:t>
             </a:fld>
             <a:endParaRPr lang="en-US"/>
           </a:p>
@@ -2350,7 +2365,7 @@
           <a:p>
             <a:fld id="{83FA6FDD-57DB-4FD0-A73F-BBC3B00B2FE6}" type="datetimeFigureOut">
               <a:rPr lang="en-US" smtClean="0"/>
-              <a:t>9/29/2022</a:t>
+              <a:t>9/30/2022</a:t>
             </a:fld>
             <a:endParaRPr lang="en-US"/>
           </a:p>
@@ -2563,7 +2578,7 @@
           <a:p>
             <a:fld id="{83FA6FDD-57DB-4FD0-A73F-BBC3B00B2FE6}" type="datetimeFigureOut">
               <a:rPr lang="en-US" smtClean="0"/>
-              <a:t>9/29/2022</a:t>
+              <a:t>9/30/2022</a:t>
             </a:fld>
             <a:endParaRPr lang="en-US"/>
           </a:p>
@@ -3040,6 +3055,387 @@
 </p:sld>
 </file>
 
+<file path=ppt/slides/slide10.xml><?xml version="1.0" encoding="utf-8"?>
+<p:sld xmlns:a="http://schemas.openxmlformats.org/drawingml/2006/main" xmlns:r="http://schemas.openxmlformats.org/officeDocument/2006/relationships" xmlns:p="http://schemas.openxmlformats.org/presentationml/2006/main">
+  <p:cSld>
+    <p:spTree>
+      <p:nvGrpSpPr>
+        <p:cNvPr id="1" name=""/>
+        <p:cNvGrpSpPr/>
+        <p:nvPr/>
+      </p:nvGrpSpPr>
+      <p:grpSpPr>
+        <a:xfrm>
+          <a:off x="0" y="0"/>
+          <a:ext cx="0" cy="0"/>
+          <a:chOff x="0" y="0"/>
+          <a:chExt cx="0" cy="0"/>
+        </a:xfrm>
+      </p:grpSpPr>
+      <p:pic>
+        <p:nvPicPr>
+          <p:cNvPr id="4" name="Picture 3"/>
+          <p:cNvPicPr>
+            <a:picLocks noChangeAspect="1"/>
+          </p:cNvPicPr>
+          <p:nvPr/>
+        </p:nvPicPr>
+        <p:blipFill>
+          <a:blip r:embed="rId2"/>
+          <a:stretch>
+            <a:fillRect/>
+          </a:stretch>
+        </p:blipFill>
+        <p:spPr>
+          <a:xfrm>
+            <a:off x="2100262" y="1190625"/>
+            <a:ext cx="7991475" cy="4476750"/>
+          </a:xfrm>
+          <a:prstGeom prst="rect">
+            <a:avLst/>
+          </a:prstGeom>
+        </p:spPr>
+      </p:pic>
+    </p:spTree>
+    <p:extLst>
+      <p:ext uri="{BB962C8B-B14F-4D97-AF65-F5344CB8AC3E}">
+        <p14:creationId xmlns:p14="http://schemas.microsoft.com/office/powerpoint/2010/main" val="1634035894"/>
+      </p:ext>
+    </p:extLst>
+  </p:cSld>
+  <p:clrMapOvr>
+    <a:masterClrMapping/>
+  </p:clrMapOvr>
+</p:sld>
+</file>
+
+<file path=ppt/slides/slide11.xml><?xml version="1.0" encoding="utf-8"?>
+<p:sld xmlns:a="http://schemas.openxmlformats.org/drawingml/2006/main" xmlns:r="http://schemas.openxmlformats.org/officeDocument/2006/relationships" xmlns:p="http://schemas.openxmlformats.org/presentationml/2006/main">
+  <p:cSld>
+    <p:spTree>
+      <p:nvGrpSpPr>
+        <p:cNvPr id="1" name=""/>
+        <p:cNvGrpSpPr/>
+        <p:nvPr/>
+      </p:nvGrpSpPr>
+      <p:grpSpPr>
+        <a:xfrm>
+          <a:off x="0" y="0"/>
+          <a:ext cx="0" cy="0"/>
+          <a:chOff x="0" y="0"/>
+          <a:chExt cx="0" cy="0"/>
+        </a:xfrm>
+      </p:grpSpPr>
+      <p:pic>
+        <p:nvPicPr>
+          <p:cNvPr id="4" name="Picture 3"/>
+          <p:cNvPicPr>
+            <a:picLocks noChangeAspect="1"/>
+          </p:cNvPicPr>
+          <p:nvPr/>
+        </p:nvPicPr>
+        <p:blipFill>
+          <a:blip r:embed="rId2"/>
+          <a:stretch>
+            <a:fillRect/>
+          </a:stretch>
+        </p:blipFill>
+        <p:spPr>
+          <a:xfrm>
+            <a:off x="1966912" y="957262"/>
+            <a:ext cx="8258175" cy="4943475"/>
+          </a:xfrm>
+          <a:prstGeom prst="rect">
+            <a:avLst/>
+          </a:prstGeom>
+        </p:spPr>
+      </p:pic>
+    </p:spTree>
+    <p:extLst>
+      <p:ext uri="{BB962C8B-B14F-4D97-AF65-F5344CB8AC3E}">
+        <p14:creationId xmlns:p14="http://schemas.microsoft.com/office/powerpoint/2010/main" val="1306944191"/>
+      </p:ext>
+    </p:extLst>
+  </p:cSld>
+  <p:clrMapOvr>
+    <a:masterClrMapping/>
+  </p:clrMapOvr>
+</p:sld>
+</file>
+
+<file path=ppt/slides/slide12.xml><?xml version="1.0" encoding="utf-8"?>
+<p:sld xmlns:a="http://schemas.openxmlformats.org/drawingml/2006/main" xmlns:r="http://schemas.openxmlformats.org/officeDocument/2006/relationships" xmlns:p="http://schemas.openxmlformats.org/presentationml/2006/main">
+  <p:cSld>
+    <p:spTree>
+      <p:nvGrpSpPr>
+        <p:cNvPr id="1" name=""/>
+        <p:cNvGrpSpPr/>
+        <p:nvPr/>
+      </p:nvGrpSpPr>
+      <p:grpSpPr>
+        <a:xfrm>
+          <a:off x="0" y="0"/>
+          <a:ext cx="0" cy="0"/>
+          <a:chOff x="0" y="0"/>
+          <a:chExt cx="0" cy="0"/>
+        </a:xfrm>
+      </p:grpSpPr>
+      <p:pic>
+        <p:nvPicPr>
+          <p:cNvPr id="4" name="Picture 3"/>
+          <p:cNvPicPr>
+            <a:picLocks noChangeAspect="1"/>
+          </p:cNvPicPr>
+          <p:nvPr/>
+        </p:nvPicPr>
+        <p:blipFill>
+          <a:blip r:embed="rId2"/>
+          <a:stretch>
+            <a:fillRect/>
+          </a:stretch>
+        </p:blipFill>
+        <p:spPr>
+          <a:xfrm>
+            <a:off x="2257425" y="1104900"/>
+            <a:ext cx="7677150" cy="4648200"/>
+          </a:xfrm>
+          <a:prstGeom prst="rect">
+            <a:avLst/>
+          </a:prstGeom>
+        </p:spPr>
+      </p:pic>
+    </p:spTree>
+    <p:extLst>
+      <p:ext uri="{BB962C8B-B14F-4D97-AF65-F5344CB8AC3E}">
+        <p14:creationId xmlns:p14="http://schemas.microsoft.com/office/powerpoint/2010/main" val="3083071654"/>
+      </p:ext>
+    </p:extLst>
+  </p:cSld>
+  <p:clrMapOvr>
+    <a:masterClrMapping/>
+  </p:clrMapOvr>
+</p:sld>
+</file>
+
+<file path=ppt/slides/slide13.xml><?xml version="1.0" encoding="utf-8"?>
+<p:sld xmlns:a="http://schemas.openxmlformats.org/drawingml/2006/main" xmlns:r="http://schemas.openxmlformats.org/officeDocument/2006/relationships" xmlns:p="http://schemas.openxmlformats.org/presentationml/2006/main">
+  <p:cSld>
+    <p:spTree>
+      <p:nvGrpSpPr>
+        <p:cNvPr id="1" name=""/>
+        <p:cNvGrpSpPr/>
+        <p:nvPr/>
+      </p:nvGrpSpPr>
+      <p:grpSpPr>
+        <a:xfrm>
+          <a:off x="0" y="0"/>
+          <a:ext cx="0" cy="0"/>
+          <a:chOff x="0" y="0"/>
+          <a:chExt cx="0" cy="0"/>
+        </a:xfrm>
+      </p:grpSpPr>
+      <p:pic>
+        <p:nvPicPr>
+          <p:cNvPr id="4" name="Picture 3"/>
+          <p:cNvPicPr>
+            <a:picLocks noChangeAspect="1"/>
+          </p:cNvPicPr>
+          <p:nvPr/>
+        </p:nvPicPr>
+        <p:blipFill>
+          <a:blip r:embed="rId2"/>
+          <a:stretch>
+            <a:fillRect/>
+          </a:stretch>
+        </p:blipFill>
+        <p:spPr>
+          <a:xfrm>
+            <a:off x="2166937" y="864524"/>
+            <a:ext cx="7858125" cy="4317076"/>
+          </a:xfrm>
+          <a:prstGeom prst="rect">
+            <a:avLst/>
+          </a:prstGeom>
+        </p:spPr>
+      </p:pic>
+    </p:spTree>
+    <p:extLst>
+      <p:ext uri="{BB962C8B-B14F-4D97-AF65-F5344CB8AC3E}">
+        <p14:creationId xmlns:p14="http://schemas.microsoft.com/office/powerpoint/2010/main" val="2084306402"/>
+      </p:ext>
+    </p:extLst>
+  </p:cSld>
+  <p:clrMapOvr>
+    <a:masterClrMapping/>
+  </p:clrMapOvr>
+</p:sld>
+</file>
+
+<file path=ppt/slides/slide14.xml><?xml version="1.0" encoding="utf-8"?>
+<p:sld xmlns:a="http://schemas.openxmlformats.org/drawingml/2006/main" xmlns:r="http://schemas.openxmlformats.org/officeDocument/2006/relationships" xmlns:p="http://schemas.openxmlformats.org/presentationml/2006/main">
+  <p:cSld>
+    <p:spTree>
+      <p:nvGrpSpPr>
+        <p:cNvPr id="1" name=""/>
+        <p:cNvGrpSpPr/>
+        <p:nvPr/>
+      </p:nvGrpSpPr>
+      <p:grpSpPr>
+        <a:xfrm>
+          <a:off x="0" y="0"/>
+          <a:ext cx="0" cy="0"/>
+          <a:chOff x="0" y="0"/>
+          <a:chExt cx="0" cy="0"/>
+        </a:xfrm>
+      </p:grpSpPr>
+      <p:sp>
+        <p:nvSpPr>
+          <p:cNvPr id="2" name="Title 1"/>
+          <p:cNvSpPr>
+            <a:spLocks noGrp="1"/>
+          </p:cNvSpPr>
+          <p:nvPr>
+            <p:ph type="title"/>
+          </p:nvPr>
+        </p:nvSpPr>
+        <p:spPr/>
+        <p:txBody>
+          <a:bodyPr/>
+          <a:lstStyle/>
+          <a:p>
+            <a:r>
+              <a:rPr lang="en-US" dirty="0"/>
+              <a:t>difference between Burning and Halving coin</a:t>
+            </a:r>
+          </a:p>
+        </p:txBody>
+      </p:sp>
+      <p:sp>
+        <p:nvSpPr>
+          <p:cNvPr id="3" name="Content Placeholder 2"/>
+          <p:cNvSpPr>
+            <a:spLocks noGrp="1"/>
+          </p:cNvSpPr>
+          <p:nvPr>
+            <p:ph idx="1"/>
+          </p:nvPr>
+        </p:nvSpPr>
+        <p:spPr/>
+        <p:txBody>
+          <a:bodyPr/>
+          <a:lstStyle/>
+          <a:p>
+            <a:r>
+              <a:rPr lang="en-US" dirty="0" smtClean="0"/>
+              <a:t>Burning Just Increase the demand</a:t>
+            </a:r>
+            <a:endParaRPr lang="en-US" dirty="0"/>
+          </a:p>
+        </p:txBody>
+      </p:sp>
+    </p:spTree>
+    <p:extLst>
+      <p:ext uri="{BB962C8B-B14F-4D97-AF65-F5344CB8AC3E}">
+        <p14:creationId xmlns:p14="http://schemas.microsoft.com/office/powerpoint/2010/main" val="567005905"/>
+      </p:ext>
+    </p:extLst>
+  </p:cSld>
+  <p:clrMapOvr>
+    <a:masterClrMapping/>
+  </p:clrMapOvr>
+</p:sld>
+</file>
+
+<file path=ppt/slides/slide15.xml><?xml version="1.0" encoding="utf-8"?>
+<p:sld xmlns:a="http://schemas.openxmlformats.org/drawingml/2006/main" xmlns:r="http://schemas.openxmlformats.org/officeDocument/2006/relationships" xmlns:p="http://schemas.openxmlformats.org/presentationml/2006/main">
+  <p:cSld>
+    <p:spTree>
+      <p:nvGrpSpPr>
+        <p:cNvPr id="1" name=""/>
+        <p:cNvGrpSpPr/>
+        <p:nvPr/>
+      </p:nvGrpSpPr>
+      <p:grpSpPr>
+        <a:xfrm>
+          <a:off x="0" y="0"/>
+          <a:ext cx="0" cy="0"/>
+          <a:chOff x="0" y="0"/>
+          <a:chExt cx="0" cy="0"/>
+        </a:xfrm>
+      </p:grpSpPr>
+      <p:sp>
+        <p:nvSpPr>
+          <p:cNvPr id="2" name="Title 1"/>
+          <p:cNvSpPr>
+            <a:spLocks noGrp="1"/>
+          </p:cNvSpPr>
+          <p:nvPr>
+            <p:ph type="title"/>
+          </p:nvPr>
+        </p:nvSpPr>
+        <p:spPr/>
+        <p:txBody>
+          <a:bodyPr>
+            <a:normAutofit fontScale="90000"/>
+          </a:bodyPr>
+          <a:lstStyle/>
+          <a:p>
+            <a:r>
+              <a:rPr lang="en-US" b="1" dirty="0" smtClean="0"/>
+              <a:t>CURRENCY DEPRECIATION </a:t>
+            </a:r>
+            <a:r>
+              <a:rPr lang="en-US" dirty="0" smtClean="0"/>
+              <a:t>is</a:t>
+            </a:r>
+            <a:r>
+              <a:rPr lang="en-US" dirty="0"/>
+              <a:t> </a:t>
+            </a:r>
+            <a:r>
+              <a:rPr lang="en-US" b="1" dirty="0"/>
+              <a:t>a fall in the value of a currency in terms of its exchange rate versus other currencies</a:t>
+            </a:r>
+            <a:r>
+              <a:rPr lang="en-US" dirty="0"/>
+              <a:t>.</a:t>
+            </a:r>
+            <a:endParaRPr lang="en-US" dirty="0"/>
+          </a:p>
+        </p:txBody>
+      </p:sp>
+      <p:sp>
+        <p:nvSpPr>
+          <p:cNvPr id="3" name="Content Placeholder 2"/>
+          <p:cNvSpPr>
+            <a:spLocks noGrp="1"/>
+          </p:cNvSpPr>
+          <p:nvPr>
+            <p:ph idx="1"/>
+          </p:nvPr>
+        </p:nvSpPr>
+        <p:spPr/>
+        <p:txBody>
+          <a:bodyPr/>
+          <a:lstStyle/>
+          <a:p>
+            <a:endParaRPr lang="en-US"/>
+          </a:p>
+        </p:txBody>
+      </p:sp>
+    </p:spTree>
+    <p:extLst>
+      <p:ext uri="{BB962C8B-B14F-4D97-AF65-F5344CB8AC3E}">
+        <p14:creationId xmlns:p14="http://schemas.microsoft.com/office/powerpoint/2010/main" val="3554635113"/>
+      </p:ext>
+    </p:extLst>
+  </p:cSld>
+  <p:clrMapOvr>
+    <a:masterClrMapping/>
+  </p:clrMapOvr>
+</p:sld>
+</file>
+
 <file path=ppt/slides/slide2.xml><?xml version="1.0" encoding="utf-8"?>
 <p:sld xmlns:a="http://schemas.openxmlformats.org/drawingml/2006/main" xmlns:r="http://schemas.openxmlformats.org/officeDocument/2006/relationships" xmlns:p="http://schemas.openxmlformats.org/presentationml/2006/main">
   <p:cSld>
@@ -3247,6 +3643,222 @@
     <p:extLst>
       <p:ext uri="{BB962C8B-B14F-4D97-AF65-F5344CB8AC3E}">
         <p14:creationId xmlns:p14="http://schemas.microsoft.com/office/powerpoint/2010/main" val="1856581786"/>
+      </p:ext>
+    </p:extLst>
+  </p:cSld>
+  <p:clrMapOvr>
+    <a:masterClrMapping/>
+  </p:clrMapOvr>
+</p:sld>
+</file>
+
+<file path=ppt/slides/slide6.xml><?xml version="1.0" encoding="utf-8"?>
+<p:sld xmlns:a="http://schemas.openxmlformats.org/drawingml/2006/main" xmlns:r="http://schemas.openxmlformats.org/officeDocument/2006/relationships" xmlns:p="http://schemas.openxmlformats.org/presentationml/2006/main">
+  <p:cSld>
+    <p:spTree>
+      <p:nvGrpSpPr>
+        <p:cNvPr id="1" name=""/>
+        <p:cNvGrpSpPr/>
+        <p:nvPr/>
+      </p:nvGrpSpPr>
+      <p:grpSpPr>
+        <a:xfrm>
+          <a:off x="0" y="0"/>
+          <a:ext cx="0" cy="0"/>
+          <a:chOff x="0" y="0"/>
+          <a:chExt cx="0" cy="0"/>
+        </a:xfrm>
+      </p:grpSpPr>
+      <p:pic>
+        <p:nvPicPr>
+          <p:cNvPr id="4" name="Picture 3"/>
+          <p:cNvPicPr>
+            <a:picLocks noChangeAspect="1"/>
+          </p:cNvPicPr>
+          <p:nvPr/>
+        </p:nvPicPr>
+        <p:blipFill>
+          <a:blip r:embed="rId2"/>
+          <a:stretch>
+            <a:fillRect/>
+          </a:stretch>
+        </p:blipFill>
+        <p:spPr>
+          <a:xfrm>
+            <a:off x="2257425" y="1100137"/>
+            <a:ext cx="7677150" cy="4657725"/>
+          </a:xfrm>
+          <a:prstGeom prst="rect">
+            <a:avLst/>
+          </a:prstGeom>
+        </p:spPr>
+      </p:pic>
+    </p:spTree>
+    <p:extLst>
+      <p:ext uri="{BB962C8B-B14F-4D97-AF65-F5344CB8AC3E}">
+        <p14:creationId xmlns:p14="http://schemas.microsoft.com/office/powerpoint/2010/main" val="1373351022"/>
+      </p:ext>
+    </p:extLst>
+  </p:cSld>
+  <p:clrMapOvr>
+    <a:masterClrMapping/>
+  </p:clrMapOvr>
+</p:sld>
+</file>
+
+<file path=ppt/slides/slide7.xml><?xml version="1.0" encoding="utf-8"?>
+<p:sld xmlns:a="http://schemas.openxmlformats.org/drawingml/2006/main" xmlns:r="http://schemas.openxmlformats.org/officeDocument/2006/relationships" xmlns:p="http://schemas.openxmlformats.org/presentationml/2006/main">
+  <p:cSld>
+    <p:spTree>
+      <p:nvGrpSpPr>
+        <p:cNvPr id="1" name=""/>
+        <p:cNvGrpSpPr/>
+        <p:nvPr/>
+      </p:nvGrpSpPr>
+      <p:grpSpPr>
+        <a:xfrm>
+          <a:off x="0" y="0"/>
+          <a:ext cx="0" cy="0"/>
+          <a:chOff x="0" y="0"/>
+          <a:chExt cx="0" cy="0"/>
+        </a:xfrm>
+      </p:grpSpPr>
+      <p:pic>
+        <p:nvPicPr>
+          <p:cNvPr id="4" name="Picture 3"/>
+          <p:cNvPicPr>
+            <a:picLocks noChangeAspect="1"/>
+          </p:cNvPicPr>
+          <p:nvPr/>
+        </p:nvPicPr>
+        <p:blipFill>
+          <a:blip r:embed="rId2"/>
+          <a:stretch>
+            <a:fillRect/>
+          </a:stretch>
+        </p:blipFill>
+        <p:spPr>
+          <a:xfrm>
+            <a:off x="1046970" y="720176"/>
+            <a:ext cx="7473575" cy="5456180"/>
+          </a:xfrm>
+          <a:prstGeom prst="rect">
+            <a:avLst/>
+          </a:prstGeom>
+        </p:spPr>
+      </p:pic>
+    </p:spTree>
+    <p:extLst>
+      <p:ext uri="{BB962C8B-B14F-4D97-AF65-F5344CB8AC3E}">
+        <p14:creationId xmlns:p14="http://schemas.microsoft.com/office/powerpoint/2010/main" val="2223593116"/>
+      </p:ext>
+    </p:extLst>
+  </p:cSld>
+  <p:clrMapOvr>
+    <a:masterClrMapping/>
+  </p:clrMapOvr>
+</p:sld>
+</file>
+
+<file path=ppt/slides/slide8.xml><?xml version="1.0" encoding="utf-8"?>
+<p:sld xmlns:a="http://schemas.openxmlformats.org/drawingml/2006/main" xmlns:r="http://schemas.openxmlformats.org/officeDocument/2006/relationships" xmlns:p="http://schemas.openxmlformats.org/presentationml/2006/main">
+  <p:cSld>
+    <p:spTree>
+      <p:nvGrpSpPr>
+        <p:cNvPr id="1" name=""/>
+        <p:cNvGrpSpPr/>
+        <p:nvPr/>
+      </p:nvGrpSpPr>
+      <p:grpSpPr>
+        <a:xfrm>
+          <a:off x="0" y="0"/>
+          <a:ext cx="0" cy="0"/>
+          <a:chOff x="0" y="0"/>
+          <a:chExt cx="0" cy="0"/>
+        </a:xfrm>
+      </p:grpSpPr>
+      <p:pic>
+        <p:nvPicPr>
+          <p:cNvPr id="4" name="Picture 3"/>
+          <p:cNvPicPr>
+            <a:picLocks noChangeAspect="1"/>
+          </p:cNvPicPr>
+          <p:nvPr/>
+        </p:nvPicPr>
+        <p:blipFill>
+          <a:blip r:embed="rId2"/>
+          <a:stretch>
+            <a:fillRect/>
+          </a:stretch>
+        </p:blipFill>
+        <p:spPr>
+          <a:xfrm>
+            <a:off x="2705100" y="1300162"/>
+            <a:ext cx="6781800" cy="4257675"/>
+          </a:xfrm>
+          <a:prstGeom prst="rect">
+            <a:avLst/>
+          </a:prstGeom>
+        </p:spPr>
+      </p:pic>
+    </p:spTree>
+    <p:extLst>
+      <p:ext uri="{BB962C8B-B14F-4D97-AF65-F5344CB8AC3E}">
+        <p14:creationId xmlns:p14="http://schemas.microsoft.com/office/powerpoint/2010/main" val="2766359956"/>
+      </p:ext>
+    </p:extLst>
+  </p:cSld>
+  <p:clrMapOvr>
+    <a:masterClrMapping/>
+  </p:clrMapOvr>
+</p:sld>
+</file>
+
+<file path=ppt/slides/slide9.xml><?xml version="1.0" encoding="utf-8"?>
+<p:sld xmlns:a="http://schemas.openxmlformats.org/drawingml/2006/main" xmlns:r="http://schemas.openxmlformats.org/officeDocument/2006/relationships" xmlns:p="http://schemas.openxmlformats.org/presentationml/2006/main">
+  <p:cSld>
+    <p:spTree>
+      <p:nvGrpSpPr>
+        <p:cNvPr id="1" name=""/>
+        <p:cNvGrpSpPr/>
+        <p:nvPr/>
+      </p:nvGrpSpPr>
+      <p:grpSpPr>
+        <a:xfrm>
+          <a:off x="0" y="0"/>
+          <a:ext cx="0" cy="0"/>
+          <a:chOff x="0" y="0"/>
+          <a:chExt cx="0" cy="0"/>
+        </a:xfrm>
+      </p:grpSpPr>
+      <p:pic>
+        <p:nvPicPr>
+          <p:cNvPr id="4" name="Picture 3"/>
+          <p:cNvPicPr>
+            <a:picLocks noChangeAspect="1"/>
+          </p:cNvPicPr>
+          <p:nvPr/>
+        </p:nvPicPr>
+        <p:blipFill>
+          <a:blip r:embed="rId2"/>
+          <a:stretch>
+            <a:fillRect/>
+          </a:stretch>
+        </p:blipFill>
+        <p:spPr>
+          <a:xfrm>
+            <a:off x="2652712" y="1285875"/>
+            <a:ext cx="6886575" cy="4286250"/>
+          </a:xfrm>
+          <a:prstGeom prst="rect">
+            <a:avLst/>
+          </a:prstGeom>
+        </p:spPr>
+      </p:pic>
+    </p:spTree>
+    <p:extLst>
+      <p:ext uri="{BB962C8B-B14F-4D97-AF65-F5344CB8AC3E}">
+        <p14:creationId xmlns:p14="http://schemas.microsoft.com/office/powerpoint/2010/main" val="88754414"/>
       </p:ext>
     </p:extLst>
   </p:cSld>
